--- a/SMB-214.pptx
+++ b/SMB-214.pptx
@@ -220,7 +220,7 @@
             <a:fld id="{55006221-B344-4B2D-AB4A-4208274990AB}" type="datetimeFigureOut">
               <a:rPr lang="en-US" smtClean="0"/>
               <a:pPr/>
-              <a:t>5/18/2018</a:t>
+              <a:t>5/24/2018</a:t>
             </a:fld>
             <a:endParaRPr lang="en-US"/>
           </a:p>
@@ -1619,7 +1619,7 @@
             <a:fld id="{1D8BD707-D9CF-40AE-B4C6-C98DA3205C09}" type="datetimeFigureOut">
               <a:rPr lang="en-US" smtClean="0"/>
               <a:pPr/>
-              <a:t>5/18/2018</a:t>
+              <a:t>5/24/2018</a:t>
             </a:fld>
             <a:endParaRPr lang="en-US" dirty="0"/>
           </a:p>
@@ -1786,7 +1786,7 @@
             <a:fld id="{1D8BD707-D9CF-40AE-B4C6-C98DA3205C09}" type="datetimeFigureOut">
               <a:rPr lang="en-US" smtClean="0"/>
               <a:pPr/>
-              <a:t>5/18/2018</a:t>
+              <a:t>5/24/2018</a:t>
             </a:fld>
             <a:endParaRPr lang="en-US" dirty="0"/>
           </a:p>
@@ -1963,7 +1963,7 @@
             <a:fld id="{1D8BD707-D9CF-40AE-B4C6-C98DA3205C09}" type="datetimeFigureOut">
               <a:rPr lang="en-US" smtClean="0"/>
               <a:pPr/>
-              <a:t>5/18/2018</a:t>
+              <a:t>5/24/2018</a:t>
             </a:fld>
             <a:endParaRPr lang="en-US" dirty="0"/>
           </a:p>
@@ -2130,7 +2130,7 @@
             <a:fld id="{1D8BD707-D9CF-40AE-B4C6-C98DA3205C09}" type="datetimeFigureOut">
               <a:rPr lang="en-US" smtClean="0"/>
               <a:pPr/>
-              <a:t>5/18/2018</a:t>
+              <a:t>5/24/2018</a:t>
             </a:fld>
             <a:endParaRPr lang="en-US" dirty="0"/>
           </a:p>
@@ -2685,7 +2685,7 @@
             <a:fld id="{1D8BD707-D9CF-40AE-B4C6-C98DA3205C09}" type="datetimeFigureOut">
               <a:rPr lang="en-US" smtClean="0"/>
               <a:pPr/>
-              <a:t>5/18/2018</a:t>
+              <a:t>5/24/2018</a:t>
             </a:fld>
             <a:endParaRPr lang="en-US" dirty="0"/>
           </a:p>
@@ -2947,7 +2947,7 @@
             <a:fld id="{1D8BD707-D9CF-40AE-B4C6-C98DA3205C09}" type="datetimeFigureOut">
               <a:rPr lang="en-US" smtClean="0"/>
               <a:pPr/>
-              <a:t>5/18/2018</a:t>
+              <a:t>5/24/2018</a:t>
             </a:fld>
             <a:endParaRPr lang="en-US" dirty="0"/>
           </a:p>
@@ -3437,7 +3437,7 @@
             <a:fld id="{1D8BD707-D9CF-40AE-B4C6-C98DA3205C09}" type="datetimeFigureOut">
               <a:rPr lang="en-US" smtClean="0"/>
               <a:pPr/>
-              <a:t>5/18/2018</a:t>
+              <a:t>5/24/2018</a:t>
             </a:fld>
             <a:endParaRPr lang="en-US" dirty="0"/>
           </a:p>
@@ -3552,7 +3552,7 @@
             <a:fld id="{1D8BD707-D9CF-40AE-B4C6-C98DA3205C09}" type="datetimeFigureOut">
               <a:rPr lang="en-US" smtClean="0"/>
               <a:pPr/>
-              <a:t>5/18/2018</a:t>
+              <a:t>5/24/2018</a:t>
             </a:fld>
             <a:endParaRPr lang="en-US" dirty="0"/>
           </a:p>
@@ -3644,7 +3644,7 @@
             <a:fld id="{1D8BD707-D9CF-40AE-B4C6-C98DA3205C09}" type="datetimeFigureOut">
               <a:rPr lang="en-US" smtClean="0"/>
               <a:pPr/>
-              <a:t>5/18/2018</a:t>
+              <a:t>5/24/2018</a:t>
             </a:fld>
             <a:endParaRPr lang="en-US" dirty="0"/>
           </a:p>
@@ -4076,7 +4076,7 @@
             <a:fld id="{1D8BD707-D9CF-40AE-B4C6-C98DA3205C09}" type="datetimeFigureOut">
               <a:rPr lang="en-US" smtClean="0"/>
               <a:pPr/>
-              <a:t>5/18/2018</a:t>
+              <a:t>5/24/2018</a:t>
             </a:fld>
             <a:endParaRPr lang="en-US" dirty="0"/>
           </a:p>
@@ -4611,7 +4611,7 @@
             <a:fld id="{1D8BD707-D9CF-40AE-B4C6-C98DA3205C09}" type="datetimeFigureOut">
               <a:rPr lang="en-US" smtClean="0"/>
               <a:pPr/>
-              <a:t>5/18/2018</a:t>
+              <a:t>5/24/2018</a:t>
             </a:fld>
             <a:endParaRPr lang="en-US" dirty="0"/>
           </a:p>
@@ -5453,7 +5453,7 @@
             <a:fld id="{1D8BD707-D9CF-40AE-B4C6-C98DA3205C09}" type="datetimeFigureOut">
               <a:rPr lang="en-US" smtClean="0"/>
               <a:pPr/>
-              <a:t>5/18/2018</a:t>
+              <a:t>5/24/2018</a:t>
             </a:fld>
             <a:endParaRPr lang="en-US" dirty="0"/>
           </a:p>
@@ -9782,32 +9782,18 @@
               <a:t>        - Facile de </a:t>
             </a:r>
             <a:r>
-              <a:rPr lang="fr-FR" sz="1700" b="0" dirty="0" err="1" smtClean="0">
-                <a:latin typeface="Calibri" pitchFamily="34" charset="0"/>
-                <a:cs typeface="Calibri" pitchFamily="34" charset="0"/>
-              </a:rPr>
-              <a:t>constuction</a:t>
-            </a:r>
-            <a:r>
               <a:rPr lang="fr-FR" sz="1700" b="0" dirty="0" smtClean="0">
                 <a:latin typeface="Calibri" pitchFamily="34" charset="0"/>
                 <a:cs typeface="Calibri" pitchFamily="34" charset="0"/>
               </a:rPr>
-              <a:t> les applications </a:t>
-            </a:r>
-            <a:r>
-              <a:rPr lang="fr-FR" sz="1700" b="0" dirty="0" err="1" smtClean="0">
-                <a:latin typeface="Calibri" pitchFamily="34" charset="0"/>
-                <a:cs typeface="Calibri" pitchFamily="34" charset="0"/>
-              </a:rPr>
-              <a:t>App</a:t>
+              <a:t>construction </a:t>
             </a:r>
             <a:r>
               <a:rPr lang="fr-FR" sz="1700" b="0" dirty="0" smtClean="0">
                 <a:latin typeface="Calibri" pitchFamily="34" charset="0"/>
                 <a:cs typeface="Calibri" pitchFamily="34" charset="0"/>
               </a:rPr>
-              <a:t> </a:t>
+              <a:t>les applications App </a:t>
             </a:r>
             <a:r>
               <a:rPr lang="fr-FR" sz="1700" b="0" dirty="0" err="1" smtClean="0">
@@ -10538,10 +10524,7 @@
           </a:bodyPr>
           <a:lstStyle/>
           <a:p>
-            <a:pPr>
-              <a:buFont typeface="Arial" pitchFamily="34" charset="0"/>
-              <a:buChar char="•"/>
-            </a:pPr>
+            <a:pPr marL="0" indent="0"/>
             <a:r>
               <a:rPr lang="fr-FR" sz="2200" b="0" dirty="0" smtClean="0">
                 <a:latin typeface="Calibri" pitchFamily="34" charset="0"/>
@@ -11037,21 +11020,7 @@
                 <a:latin typeface="Calibri" pitchFamily="34" charset="0"/>
                 <a:cs typeface="Calibri" pitchFamily="34" charset="0"/>
               </a:rPr>
-              <a:t>Exécute également </a:t>
-            </a:r>
-            <a:r>
-              <a:rPr lang="fr-FR" sz="2200" b="0" dirty="0" smtClean="0">
-                <a:latin typeface="Calibri" pitchFamily="34" charset="0"/>
-                <a:cs typeface="Calibri" pitchFamily="34" charset="0"/>
-              </a:rPr>
-              <a:t>un </a:t>
-            </a:r>
-            <a:r>
-              <a:rPr lang="fr-FR" sz="2200" b="0" dirty="0" smtClean="0">
-                <a:latin typeface="Calibri" pitchFamily="34" charset="0"/>
-                <a:cs typeface="Calibri" pitchFamily="34" charset="0"/>
-              </a:rPr>
-              <a:t>serveur d'API </a:t>
+              <a:t>Exécute également un serveur d'API </a:t>
             </a:r>
             <a:r>
               <a:rPr lang="fr-FR" sz="2200" b="0" dirty="0" err="1" smtClean="0">
@@ -12140,21 +12109,7 @@
                 <a:latin typeface="Calibri" pitchFamily="34" charset="0"/>
                 <a:cs typeface="Calibri" pitchFamily="34" charset="0"/>
               </a:rPr>
-              <a:t> de Google et lanc</a:t>
-            </a:r>
-            <a:r>
-              <a:rPr lang="fr-FR" sz="2400" b="0" i="1" dirty="0" smtClean="0">
-                <a:latin typeface="Calibri" pitchFamily="34" charset="0"/>
-                <a:cs typeface="Calibri" pitchFamily="34" charset="0"/>
-              </a:rPr>
-              <a:t>é</a:t>
-            </a:r>
-            <a:r>
-              <a:rPr lang="fr-FR" sz="2400" b="0" dirty="0" smtClean="0">
-                <a:latin typeface="Calibri" pitchFamily="34" charset="0"/>
-                <a:cs typeface="Calibri" pitchFamily="34" charset="0"/>
-              </a:rPr>
-              <a:t>s directement sur les serveurs de Google.</a:t>
+              <a:t> de Google et lancés directement sur les serveurs de Google.</a:t>
             </a:r>
           </a:p>
           <a:p>
@@ -12309,15 +12264,21 @@
               <a:buChar char="•"/>
             </a:pPr>
             <a:r>
-              <a:rPr lang="fr-FR" sz="3400" b="0" dirty="0" err="1" smtClean="0">
-                <a:latin typeface="Calibri" pitchFamily="34" charset="0"/>
-              </a:rPr>
-              <a:t>Epargner aux entreprises: </a:t>
-            </a:r>
-          </a:p>
-          <a:p>
-            <a:r>
-              <a:rPr lang="fr-FR" sz="3400" b="0" dirty="0" err="1" smtClean="0">
+              <a:rPr lang="fr-FR" sz="3400" b="0" dirty="0" smtClean="0">
+                <a:latin typeface="Calibri" pitchFamily="34" charset="0"/>
+              </a:rPr>
+              <a:t>Epargner </a:t>
+            </a:r>
+            <a:r>
+              <a:rPr lang="fr-FR" sz="3400" b="0" dirty="0" smtClean="0">
+                <a:latin typeface="Calibri" pitchFamily="34" charset="0"/>
+              </a:rPr>
+              <a:t>aux entreprises: </a:t>
+            </a:r>
+          </a:p>
+          <a:p>
+            <a:r>
+              <a:rPr lang="fr-FR" sz="3400" b="0" dirty="0" smtClean="0">
                 <a:latin typeface="Calibri" pitchFamily="34" charset="0"/>
               </a:rPr>
               <a:t>     - L’achat des serveurs a haut performance</a:t>
@@ -12325,16 +12286,22 @@
           </a:p>
           <a:p>
             <a:r>
-              <a:rPr lang="fr-FR" sz="3400" b="0" dirty="0" err="1" smtClean="0">
+              <a:rPr lang="fr-FR" sz="3400" b="0" dirty="0" smtClean="0">
                 <a:latin typeface="Calibri" pitchFamily="34" charset="0"/>
               </a:rPr>
               <a:t>     - La configuration </a:t>
             </a:r>
             <a:r>
+              <a:rPr lang="en-US" sz="3400" b="0" dirty="0" smtClean="0">
+                <a:latin typeface="Calibri" pitchFamily="34" charset="0"/>
+              </a:rPr>
+              <a:t> des </a:t>
+            </a:r>
+            <a:r>
               <a:rPr lang="en-US" sz="3400" b="0" dirty="0" err="1" smtClean="0">
                 <a:latin typeface="Calibri" pitchFamily="34" charset="0"/>
               </a:rPr>
-              <a:t> des réseaux</a:t>
+              <a:t>réseaux</a:t>
             </a:r>
             <a:endParaRPr lang="fr-FR" sz="3400" b="0" dirty="0" err="1" smtClean="0">
               <a:latin typeface="Calibri" pitchFamily="34" charset="0"/>
@@ -12345,7 +12312,13 @@
               <a:rPr lang="fr-FR" sz="3400" b="0" dirty="0" err="1" smtClean="0">
                 <a:latin typeface="Calibri" pitchFamily="34" charset="0"/>
               </a:rPr>
-              <a:t>     -  La gestion d’une infrastructure</a:t>
+              <a:t>     </a:t>
+            </a:r>
+            <a:r>
+              <a:rPr lang="fr-FR" sz="3400" b="0" dirty="0" smtClean="0">
+                <a:latin typeface="Calibri" pitchFamily="34" charset="0"/>
+              </a:rPr>
+              <a:t>-  La gestion d’une infrastructure</a:t>
             </a:r>
           </a:p>
           <a:p>
@@ -12354,10 +12327,22 @@
               <a:buChar char="•"/>
             </a:pPr>
             <a:r>
+              <a:rPr lang="fr-FR" sz="3400" b="0" dirty="0" smtClean="0">
+                <a:latin typeface="Calibri" pitchFamily="34" charset="0"/>
+              </a:rPr>
+              <a:t>Evolution continu: mise a jour et </a:t>
+            </a:r>
+            <a:r>
               <a:rPr lang="fr-FR" sz="3400" b="0" dirty="0" err="1" smtClean="0">
                 <a:latin typeface="Calibri" pitchFamily="34" charset="0"/>
               </a:rPr>
-              <a:t>Evolution continu: mise a jour et optimization par Google.</a:t>
+              <a:t>optimization</a:t>
+            </a:r>
+            <a:r>
+              <a:rPr lang="fr-FR" sz="3400" b="0" dirty="0" smtClean="0">
+                <a:latin typeface="Calibri" pitchFamily="34" charset="0"/>
+              </a:rPr>
+              <a:t> par Google.</a:t>
             </a:r>
           </a:p>
           <a:p>
@@ -12366,7 +12351,7 @@
               <a:buChar char="•"/>
             </a:pPr>
             <a:r>
-              <a:rPr lang="fr-FR" sz="3400" b="0" dirty="0" err="1" smtClean="0">
+              <a:rPr lang="fr-FR" sz="3400" b="0" dirty="0" smtClean="0">
                 <a:latin typeface="Calibri" pitchFamily="34" charset="0"/>
               </a:rPr>
               <a:t>Performante, économique et sécurisée.</a:t>
